--- a/FUNDAMENTALS_OF_DEVOPS/ppt unit 5th devops.pptx
+++ b/FUNDAMENTALS_OF_DEVOPS/ppt unit 5th devops.pptx
@@ -160,6 +160,35 @@
 </p:presentation>
 </file>
 
+<file path=ppt/changesInfos/changesInfo1.xml><?xml version="1.0" encoding="utf-8"?>
+<pc:chgInfo xmlns:a="http://schemas.openxmlformats.org/drawingml/2006/main" xmlns:r="http://schemas.openxmlformats.org/officeDocument/2006/relationships" xmlns:ac="http://schemas.microsoft.com/office/drawing/2013/main/command" xmlns:pc="http://schemas.microsoft.com/office/powerpoint/2013/main/command">
+  <pc:docChgLst>
+    <pc:chgData name="Ayan Ruzdan" userId="281b3fb1-178d-4595-a67e-42f3d5782a4e" providerId="ADAL" clId="{861E6BCC-19A8-403D-8613-9E518829C623}"/>
+    <pc:docChg chg="modSld">
+      <pc:chgData name="Ayan Ruzdan" userId="281b3fb1-178d-4595-a67e-42f3d5782a4e" providerId="ADAL" clId="{861E6BCC-19A8-403D-8613-9E518829C623}" dt="2023-12-04T16:32:10.792" v="11" actId="1036"/>
+      <pc:docMkLst>
+        <pc:docMk/>
+      </pc:docMkLst>
+      <pc:sldChg chg="modSp mod">
+        <pc:chgData name="Ayan Ruzdan" userId="281b3fb1-178d-4595-a67e-42f3d5782a4e" providerId="ADAL" clId="{861E6BCC-19A8-403D-8613-9E518829C623}" dt="2023-12-04T16:32:10.792" v="11" actId="1036"/>
+        <pc:sldMkLst>
+          <pc:docMk/>
+          <pc:sldMk cId="2546472258" sldId="257"/>
+        </pc:sldMkLst>
+        <pc:picChg chg="mod">
+          <ac:chgData name="Ayan Ruzdan" userId="281b3fb1-178d-4595-a67e-42f3d5782a4e" providerId="ADAL" clId="{861E6BCC-19A8-403D-8613-9E518829C623}" dt="2023-12-04T16:32:10.792" v="11" actId="1036"/>
+          <ac:picMkLst>
+            <pc:docMk/>
+            <pc:sldMk cId="2546472258" sldId="257"/>
+            <ac:picMk id="3" creationId="{00000000-0000-0000-0000-000000000000}"/>
+          </ac:picMkLst>
+        </pc:picChg>
+      </pc:sldChg>
+    </pc:docChg>
+  </pc:docChgLst>
+</pc:chgInfo>
+</file>
+
 <file path=ppt/slideLayouts/slideLayout1.xml><?xml version="1.0" encoding="utf-8"?>
 <p:sldLayout xmlns:a="http://schemas.openxmlformats.org/drawingml/2006/main" xmlns:r="http://schemas.openxmlformats.org/officeDocument/2006/relationships" xmlns:p="http://schemas.openxmlformats.org/presentationml/2006/main" type="title" preserve="1">
   <p:cSld name="Title Slide">
@@ -202,10 +231,9 @@
           </a:lstStyle>
           <a:p>
             <a:r>
-              <a:rPr lang="en-US" smtClean="0"/>
+              <a:rPr lang="en-US"/>
               <a:t>Click to edit Master title style</a:t>
             </a:r>
-            <a:endParaRPr lang="en-US"/>
           </a:p>
         </p:txBody>
       </p:sp>
@@ -267,10 +295,9 @@
           </a:lstStyle>
           <a:p>
             <a:r>
-              <a:rPr lang="en-US" smtClean="0"/>
+              <a:rPr lang="en-US"/>
               <a:t>Click to edit Master subtitle style</a:t>
             </a:r>
-            <a:endParaRPr lang="en-US"/>
           </a:p>
         </p:txBody>
       </p:sp>
@@ -291,7 +318,7 @@
           <a:p>
             <a:fld id="{51CA3411-8681-4725-B71E-D10D6E74F3B0}" type="datetimeFigureOut">
               <a:rPr lang="en-US" smtClean="0"/>
-              <a:t>10/21/2023</a:t>
+              <a:t>12/4/2023</a:t>
             </a:fld>
             <a:endParaRPr lang="en-US"/>
           </a:p>
@@ -385,10 +412,9 @@
           <a:lstStyle/>
           <a:p>
             <a:r>
-              <a:rPr lang="en-US" smtClean="0"/>
+              <a:rPr lang="en-US"/>
               <a:t>Click to edit Master title style</a:t>
             </a:r>
-            <a:endParaRPr lang="en-US"/>
           </a:p>
         </p:txBody>
       </p:sp>
@@ -409,38 +435,37 @@
           <a:p>
             <a:pPr lvl="0"/>
             <a:r>
-              <a:rPr lang="en-US" smtClean="0"/>
+              <a:rPr lang="en-US"/>
               <a:t>Click to edit Master text styles</a:t>
             </a:r>
           </a:p>
           <a:p>
             <a:pPr lvl="1"/>
             <a:r>
-              <a:rPr lang="en-US" smtClean="0"/>
+              <a:rPr lang="en-US"/>
               <a:t>Second level</a:t>
             </a:r>
           </a:p>
           <a:p>
             <a:pPr lvl="2"/>
             <a:r>
-              <a:rPr lang="en-US" smtClean="0"/>
+              <a:rPr lang="en-US"/>
               <a:t>Third level</a:t>
             </a:r>
           </a:p>
           <a:p>
             <a:pPr lvl="3"/>
             <a:r>
-              <a:rPr lang="en-US" smtClean="0"/>
+              <a:rPr lang="en-US"/>
               <a:t>Fourth level</a:t>
             </a:r>
           </a:p>
           <a:p>
             <a:pPr lvl="4"/>
             <a:r>
-              <a:rPr lang="en-US" smtClean="0"/>
+              <a:rPr lang="en-US"/>
               <a:t>Fifth level</a:t>
             </a:r>
-            <a:endParaRPr lang="en-US"/>
           </a:p>
         </p:txBody>
       </p:sp>
@@ -461,7 +486,7 @@
           <a:p>
             <a:fld id="{51CA3411-8681-4725-B71E-D10D6E74F3B0}" type="datetimeFigureOut">
               <a:rPr lang="en-US" smtClean="0"/>
-              <a:t>10/21/2023</a:t>
+              <a:t>12/4/2023</a:t>
             </a:fld>
             <a:endParaRPr lang="en-US"/>
           </a:p>
@@ -560,10 +585,9 @@
           <a:lstStyle/>
           <a:p>
             <a:r>
-              <a:rPr lang="en-US" smtClean="0"/>
+              <a:rPr lang="en-US"/>
               <a:t>Click to edit Master title style</a:t>
             </a:r>
-            <a:endParaRPr lang="en-US"/>
           </a:p>
         </p:txBody>
       </p:sp>
@@ -589,38 +613,37 @@
           <a:p>
             <a:pPr lvl="0"/>
             <a:r>
-              <a:rPr lang="en-US" smtClean="0"/>
+              <a:rPr lang="en-US"/>
               <a:t>Click to edit Master text styles</a:t>
             </a:r>
           </a:p>
           <a:p>
             <a:pPr lvl="1"/>
             <a:r>
-              <a:rPr lang="en-US" smtClean="0"/>
+              <a:rPr lang="en-US"/>
               <a:t>Second level</a:t>
             </a:r>
           </a:p>
           <a:p>
             <a:pPr lvl="2"/>
             <a:r>
-              <a:rPr lang="en-US" smtClean="0"/>
+              <a:rPr lang="en-US"/>
               <a:t>Third level</a:t>
             </a:r>
           </a:p>
           <a:p>
             <a:pPr lvl="3"/>
             <a:r>
-              <a:rPr lang="en-US" smtClean="0"/>
+              <a:rPr lang="en-US"/>
               <a:t>Fourth level</a:t>
             </a:r>
           </a:p>
           <a:p>
             <a:pPr lvl="4"/>
             <a:r>
-              <a:rPr lang="en-US" smtClean="0"/>
+              <a:rPr lang="en-US"/>
               <a:t>Fifth level</a:t>
             </a:r>
-            <a:endParaRPr lang="en-US"/>
           </a:p>
         </p:txBody>
       </p:sp>
@@ -641,7 +664,7 @@
           <a:p>
             <a:fld id="{51CA3411-8681-4725-B71E-D10D6E74F3B0}" type="datetimeFigureOut">
               <a:rPr lang="en-US" smtClean="0"/>
-              <a:t>10/21/2023</a:t>
+              <a:t>12/4/2023</a:t>
             </a:fld>
             <a:endParaRPr lang="en-US"/>
           </a:p>
@@ -735,10 +758,9 @@
           <a:lstStyle/>
           <a:p>
             <a:r>
-              <a:rPr lang="en-US" smtClean="0"/>
+              <a:rPr lang="en-US"/>
               <a:t>Click to edit Master title style</a:t>
             </a:r>
-            <a:endParaRPr lang="en-US"/>
           </a:p>
         </p:txBody>
       </p:sp>
@@ -759,38 +781,37 @@
           <a:p>
             <a:pPr lvl="0"/>
             <a:r>
-              <a:rPr lang="en-US" smtClean="0"/>
+              <a:rPr lang="en-US"/>
               <a:t>Click to edit Master text styles</a:t>
             </a:r>
           </a:p>
           <a:p>
             <a:pPr lvl="1"/>
             <a:r>
-              <a:rPr lang="en-US" smtClean="0"/>
+              <a:rPr lang="en-US"/>
               <a:t>Second level</a:t>
             </a:r>
           </a:p>
           <a:p>
             <a:pPr lvl="2"/>
             <a:r>
-              <a:rPr lang="en-US" smtClean="0"/>
+              <a:rPr lang="en-US"/>
               <a:t>Third level</a:t>
             </a:r>
           </a:p>
           <a:p>
             <a:pPr lvl="3"/>
             <a:r>
-              <a:rPr lang="en-US" smtClean="0"/>
+              <a:rPr lang="en-US"/>
               <a:t>Fourth level</a:t>
             </a:r>
           </a:p>
           <a:p>
             <a:pPr lvl="4"/>
             <a:r>
-              <a:rPr lang="en-US" smtClean="0"/>
+              <a:rPr lang="en-US"/>
               <a:t>Fifth level</a:t>
             </a:r>
-            <a:endParaRPr lang="en-US"/>
           </a:p>
         </p:txBody>
       </p:sp>
@@ -811,7 +832,7 @@
           <a:p>
             <a:fld id="{51CA3411-8681-4725-B71E-D10D6E74F3B0}" type="datetimeFigureOut">
               <a:rPr lang="en-US" smtClean="0"/>
-              <a:t>10/21/2023</a:t>
+              <a:t>12/4/2023</a:t>
             </a:fld>
             <a:endParaRPr lang="en-US"/>
           </a:p>
@@ -914,10 +935,9 @@
           </a:lstStyle>
           <a:p>
             <a:r>
-              <a:rPr lang="en-US" smtClean="0"/>
+              <a:rPr lang="en-US"/>
               <a:t>Click to edit Master title style</a:t>
             </a:r>
-            <a:endParaRPr lang="en-US"/>
           </a:p>
         </p:txBody>
       </p:sp>
@@ -1034,7 +1054,7 @@
           <a:p>
             <a:pPr lvl="0"/>
             <a:r>
-              <a:rPr lang="en-US" smtClean="0"/>
+              <a:rPr lang="en-US"/>
               <a:t>Click to edit Master text styles</a:t>
             </a:r>
           </a:p>
@@ -1057,7 +1077,7 @@
           <a:p>
             <a:fld id="{51CA3411-8681-4725-B71E-D10D6E74F3B0}" type="datetimeFigureOut">
               <a:rPr lang="en-US" smtClean="0"/>
-              <a:t>10/21/2023</a:t>
+              <a:t>12/4/2023</a:t>
             </a:fld>
             <a:endParaRPr lang="en-US"/>
           </a:p>
@@ -1151,10 +1171,9 @@
           <a:lstStyle/>
           <a:p>
             <a:r>
-              <a:rPr lang="en-US" smtClean="0"/>
+              <a:rPr lang="en-US"/>
               <a:t>Click to edit Master title style</a:t>
             </a:r>
-            <a:endParaRPr lang="en-US"/>
           </a:p>
         </p:txBody>
       </p:sp>
@@ -1180,38 +1199,37 @@
           <a:p>
             <a:pPr lvl="0"/>
             <a:r>
-              <a:rPr lang="en-US" smtClean="0"/>
+              <a:rPr lang="en-US"/>
               <a:t>Click to edit Master text styles</a:t>
             </a:r>
           </a:p>
           <a:p>
             <a:pPr lvl="1"/>
             <a:r>
-              <a:rPr lang="en-US" smtClean="0"/>
+              <a:rPr lang="en-US"/>
               <a:t>Second level</a:t>
             </a:r>
           </a:p>
           <a:p>
             <a:pPr lvl="2"/>
             <a:r>
-              <a:rPr lang="en-US" smtClean="0"/>
+              <a:rPr lang="en-US"/>
               <a:t>Third level</a:t>
             </a:r>
           </a:p>
           <a:p>
             <a:pPr lvl="3"/>
             <a:r>
-              <a:rPr lang="en-US" smtClean="0"/>
+              <a:rPr lang="en-US"/>
               <a:t>Fourth level</a:t>
             </a:r>
           </a:p>
           <a:p>
             <a:pPr lvl="4"/>
             <a:r>
-              <a:rPr lang="en-US" smtClean="0"/>
+              <a:rPr lang="en-US"/>
               <a:t>Fifth level</a:t>
             </a:r>
-            <a:endParaRPr lang="en-US"/>
           </a:p>
         </p:txBody>
       </p:sp>
@@ -1237,38 +1255,37 @@
           <a:p>
             <a:pPr lvl="0"/>
             <a:r>
-              <a:rPr lang="en-US" smtClean="0"/>
+              <a:rPr lang="en-US"/>
               <a:t>Click to edit Master text styles</a:t>
             </a:r>
           </a:p>
           <a:p>
             <a:pPr lvl="1"/>
             <a:r>
-              <a:rPr lang="en-US" smtClean="0"/>
+              <a:rPr lang="en-US"/>
               <a:t>Second level</a:t>
             </a:r>
           </a:p>
           <a:p>
             <a:pPr lvl="2"/>
             <a:r>
-              <a:rPr lang="en-US" smtClean="0"/>
+              <a:rPr lang="en-US"/>
               <a:t>Third level</a:t>
             </a:r>
           </a:p>
           <a:p>
             <a:pPr lvl="3"/>
             <a:r>
-              <a:rPr lang="en-US" smtClean="0"/>
+              <a:rPr lang="en-US"/>
               <a:t>Fourth level</a:t>
             </a:r>
           </a:p>
           <a:p>
             <a:pPr lvl="4"/>
             <a:r>
-              <a:rPr lang="en-US" smtClean="0"/>
+              <a:rPr lang="en-US"/>
               <a:t>Fifth level</a:t>
             </a:r>
-            <a:endParaRPr lang="en-US"/>
           </a:p>
         </p:txBody>
       </p:sp>
@@ -1289,7 +1306,7 @@
           <a:p>
             <a:fld id="{51CA3411-8681-4725-B71E-D10D6E74F3B0}" type="datetimeFigureOut">
               <a:rPr lang="en-US" smtClean="0"/>
-              <a:t>10/21/2023</a:t>
+              <a:t>12/4/2023</a:t>
             </a:fld>
             <a:endParaRPr lang="en-US"/>
           </a:p>
@@ -1388,10 +1405,9 @@
           <a:lstStyle/>
           <a:p>
             <a:r>
-              <a:rPr lang="en-US" smtClean="0"/>
+              <a:rPr lang="en-US"/>
               <a:t>Click to edit Master title style</a:t>
             </a:r>
-            <a:endParaRPr lang="en-US"/>
           </a:p>
         </p:txBody>
       </p:sp>
@@ -1454,7 +1470,7 @@
           <a:p>
             <a:pPr lvl="0"/>
             <a:r>
-              <a:rPr lang="en-US" smtClean="0"/>
+              <a:rPr lang="en-US"/>
               <a:t>Click to edit Master text styles</a:t>
             </a:r>
           </a:p>
@@ -1482,38 +1498,37 @@
           <a:p>
             <a:pPr lvl="0"/>
             <a:r>
-              <a:rPr lang="en-US" smtClean="0"/>
+              <a:rPr lang="en-US"/>
               <a:t>Click to edit Master text styles</a:t>
             </a:r>
           </a:p>
           <a:p>
             <a:pPr lvl="1"/>
             <a:r>
-              <a:rPr lang="en-US" smtClean="0"/>
+              <a:rPr lang="en-US"/>
               <a:t>Second level</a:t>
             </a:r>
           </a:p>
           <a:p>
             <a:pPr lvl="2"/>
             <a:r>
-              <a:rPr lang="en-US" smtClean="0"/>
+              <a:rPr lang="en-US"/>
               <a:t>Third level</a:t>
             </a:r>
           </a:p>
           <a:p>
             <a:pPr lvl="3"/>
             <a:r>
-              <a:rPr lang="en-US" smtClean="0"/>
+              <a:rPr lang="en-US"/>
               <a:t>Fourth level</a:t>
             </a:r>
           </a:p>
           <a:p>
             <a:pPr lvl="4"/>
             <a:r>
-              <a:rPr lang="en-US" smtClean="0"/>
+              <a:rPr lang="en-US"/>
               <a:t>Fifth level</a:t>
             </a:r>
-            <a:endParaRPr lang="en-US"/>
           </a:p>
         </p:txBody>
       </p:sp>
@@ -1576,7 +1591,7 @@
           <a:p>
             <a:pPr lvl="0"/>
             <a:r>
-              <a:rPr lang="en-US" smtClean="0"/>
+              <a:rPr lang="en-US"/>
               <a:t>Click to edit Master text styles</a:t>
             </a:r>
           </a:p>
@@ -1604,38 +1619,37 @@
           <a:p>
             <a:pPr lvl="0"/>
             <a:r>
-              <a:rPr lang="en-US" smtClean="0"/>
+              <a:rPr lang="en-US"/>
               <a:t>Click to edit Master text styles</a:t>
             </a:r>
           </a:p>
           <a:p>
             <a:pPr lvl="1"/>
             <a:r>
-              <a:rPr lang="en-US" smtClean="0"/>
+              <a:rPr lang="en-US"/>
               <a:t>Second level</a:t>
             </a:r>
           </a:p>
           <a:p>
             <a:pPr lvl="2"/>
             <a:r>
-              <a:rPr lang="en-US" smtClean="0"/>
+              <a:rPr lang="en-US"/>
               <a:t>Third level</a:t>
             </a:r>
           </a:p>
           <a:p>
             <a:pPr lvl="3"/>
             <a:r>
-              <a:rPr lang="en-US" smtClean="0"/>
+              <a:rPr lang="en-US"/>
               <a:t>Fourth level</a:t>
             </a:r>
           </a:p>
           <a:p>
             <a:pPr lvl="4"/>
             <a:r>
-              <a:rPr lang="en-US" smtClean="0"/>
+              <a:rPr lang="en-US"/>
               <a:t>Fifth level</a:t>
             </a:r>
-            <a:endParaRPr lang="en-US"/>
           </a:p>
         </p:txBody>
       </p:sp>
@@ -1656,7 +1670,7 @@
           <a:p>
             <a:fld id="{51CA3411-8681-4725-B71E-D10D6E74F3B0}" type="datetimeFigureOut">
               <a:rPr lang="en-US" smtClean="0"/>
-              <a:t>10/21/2023</a:t>
+              <a:t>12/4/2023</a:t>
             </a:fld>
             <a:endParaRPr lang="en-US"/>
           </a:p>
@@ -1750,10 +1764,9 @@
           <a:lstStyle/>
           <a:p>
             <a:r>
-              <a:rPr lang="en-US" smtClean="0"/>
+              <a:rPr lang="en-US"/>
               <a:t>Click to edit Master title style</a:t>
             </a:r>
-            <a:endParaRPr lang="en-US"/>
           </a:p>
         </p:txBody>
       </p:sp>
@@ -1774,7 +1787,7 @@
           <a:p>
             <a:fld id="{51CA3411-8681-4725-B71E-D10D6E74F3B0}" type="datetimeFigureOut">
               <a:rPr lang="en-US" smtClean="0"/>
-              <a:t>10/21/2023</a:t>
+              <a:t>12/4/2023</a:t>
             </a:fld>
             <a:endParaRPr lang="en-US"/>
           </a:p>
@@ -1869,7 +1882,7 @@
           <a:p>
             <a:fld id="{51CA3411-8681-4725-B71E-D10D6E74F3B0}" type="datetimeFigureOut">
               <a:rPr lang="en-US" smtClean="0"/>
-              <a:t>10/21/2023</a:t>
+              <a:t>12/4/2023</a:t>
             </a:fld>
             <a:endParaRPr lang="en-US"/>
           </a:p>
@@ -1972,10 +1985,9 @@
           </a:lstStyle>
           <a:p>
             <a:r>
-              <a:rPr lang="en-US" smtClean="0"/>
+              <a:rPr lang="en-US"/>
               <a:t>Click to edit Master title style</a:t>
             </a:r>
-            <a:endParaRPr lang="en-US"/>
           </a:p>
         </p:txBody>
       </p:sp>
@@ -2029,38 +2041,37 @@
           <a:p>
             <a:pPr lvl="0"/>
             <a:r>
-              <a:rPr lang="en-US" smtClean="0"/>
+              <a:rPr lang="en-US"/>
               <a:t>Click to edit Master text styles</a:t>
             </a:r>
           </a:p>
           <a:p>
             <a:pPr lvl="1"/>
             <a:r>
-              <a:rPr lang="en-US" smtClean="0"/>
+              <a:rPr lang="en-US"/>
               <a:t>Second level</a:t>
             </a:r>
           </a:p>
           <a:p>
             <a:pPr lvl="2"/>
             <a:r>
-              <a:rPr lang="en-US" smtClean="0"/>
+              <a:rPr lang="en-US"/>
               <a:t>Third level</a:t>
             </a:r>
           </a:p>
           <a:p>
             <a:pPr lvl="3"/>
             <a:r>
-              <a:rPr lang="en-US" smtClean="0"/>
+              <a:rPr lang="en-US"/>
               <a:t>Fourth level</a:t>
             </a:r>
           </a:p>
           <a:p>
             <a:pPr lvl="4"/>
             <a:r>
-              <a:rPr lang="en-US" smtClean="0"/>
+              <a:rPr lang="en-US"/>
               <a:t>Fifth level</a:t>
             </a:r>
-            <a:endParaRPr lang="en-US"/>
           </a:p>
         </p:txBody>
       </p:sp>
@@ -2123,7 +2134,7 @@
           <a:p>
             <a:pPr lvl="0"/>
             <a:r>
-              <a:rPr lang="en-US" smtClean="0"/>
+              <a:rPr lang="en-US"/>
               <a:t>Click to edit Master text styles</a:t>
             </a:r>
           </a:p>
@@ -2146,7 +2157,7 @@
           <a:p>
             <a:fld id="{51CA3411-8681-4725-B71E-D10D6E74F3B0}" type="datetimeFigureOut">
               <a:rPr lang="en-US" smtClean="0"/>
-              <a:t>10/21/2023</a:t>
+              <a:t>12/4/2023</a:t>
             </a:fld>
             <a:endParaRPr lang="en-US"/>
           </a:p>
@@ -2249,10 +2260,9 @@
           </a:lstStyle>
           <a:p>
             <a:r>
-              <a:rPr lang="en-US" smtClean="0"/>
+              <a:rPr lang="en-US"/>
               <a:t>Click to edit Master title style</a:t>
             </a:r>
-            <a:endParaRPr lang="en-US"/>
           </a:p>
         </p:txBody>
       </p:sp>
@@ -2376,7 +2386,7 @@
           <a:p>
             <a:pPr lvl="0"/>
             <a:r>
-              <a:rPr lang="en-US" smtClean="0"/>
+              <a:rPr lang="en-US"/>
               <a:t>Click to edit Master text styles</a:t>
             </a:r>
           </a:p>
@@ -2399,7 +2409,7 @@
           <a:p>
             <a:fld id="{51CA3411-8681-4725-B71E-D10D6E74F3B0}" type="datetimeFigureOut">
               <a:rPr lang="en-US" smtClean="0"/>
-              <a:t>10/21/2023</a:t>
+              <a:t>12/4/2023</a:t>
             </a:fld>
             <a:endParaRPr lang="en-US"/>
           </a:p>
@@ -2508,10 +2518,9 @@
           <a:lstStyle/>
           <a:p>
             <a:r>
-              <a:rPr lang="en-US" smtClean="0"/>
+              <a:rPr lang="en-US"/>
               <a:t>Click to edit Master title style</a:t>
             </a:r>
-            <a:endParaRPr lang="en-US"/>
           </a:p>
         </p:txBody>
       </p:sp>
@@ -2542,38 +2551,37 @@
           <a:p>
             <a:pPr lvl="0"/>
             <a:r>
-              <a:rPr lang="en-US" smtClean="0"/>
+              <a:rPr lang="en-US"/>
               <a:t>Click to edit Master text styles</a:t>
             </a:r>
           </a:p>
           <a:p>
             <a:pPr lvl="1"/>
             <a:r>
-              <a:rPr lang="en-US" smtClean="0"/>
+              <a:rPr lang="en-US"/>
               <a:t>Second level</a:t>
             </a:r>
           </a:p>
           <a:p>
             <a:pPr lvl="2"/>
             <a:r>
-              <a:rPr lang="en-US" smtClean="0"/>
+              <a:rPr lang="en-US"/>
               <a:t>Third level</a:t>
             </a:r>
           </a:p>
           <a:p>
             <a:pPr lvl="3"/>
             <a:r>
-              <a:rPr lang="en-US" smtClean="0"/>
+              <a:rPr lang="en-US"/>
               <a:t>Fourth level</a:t>
             </a:r>
           </a:p>
           <a:p>
             <a:pPr lvl="4"/>
             <a:r>
-              <a:rPr lang="en-US" smtClean="0"/>
+              <a:rPr lang="en-US"/>
               <a:t>Fifth level</a:t>
             </a:r>
-            <a:endParaRPr lang="en-US"/>
           </a:p>
         </p:txBody>
       </p:sp>
@@ -2612,7 +2620,7 @@
           <a:p>
             <a:fld id="{51CA3411-8681-4725-B71E-D10D6E74F3B0}" type="datetimeFigureOut">
               <a:rPr lang="en-US" smtClean="0"/>
-              <a:t>10/21/2023</a:t>
+              <a:t>12/4/2023</a:t>
             </a:fld>
             <a:endParaRPr lang="en-US"/>
           </a:p>
@@ -3047,7 +3055,7 @@
               </a:spcAft>
             </a:pPr>
             <a:r>
-              <a:rPr lang="en-US" sz="2800" dirty="0" smtClean="0">
+              <a:rPr lang="en-US" sz="2800" dirty="0">
                 <a:solidFill>
                   <a:srgbClr val="000000"/>
                 </a:solidFill>
@@ -3058,7 +3066,7 @@
               </a:rPr>
               <a:t>The Current Landscape of DevOps in 2023</a:t>
             </a:r>
-            <a:endParaRPr lang="en-US" sz="2800" dirty="0" smtClean="0">
+            <a:endParaRPr lang="en-US" sz="2800" dirty="0">
               <a:effectLst/>
               <a:latin typeface="Calibri" panose="020F0502020204030204" pitchFamily="34" charset="0"/>
               <a:ea typeface="Calibri" panose="020F0502020204030204" pitchFamily="34" charset="0"/>
@@ -3068,7 +3076,7 @@
           <a:p>
             <a:pPr algn="just"/>
             <a:r>
-              <a:rPr lang="en-US" sz="2800" dirty="0" smtClean="0">
+              <a:rPr lang="en-US" sz="2800" dirty="0">
                 <a:effectLst/>
                 <a:latin typeface="Arial" panose="020B0604020202020204" pitchFamily="34" charset="0"/>
                 <a:ea typeface="Times New Roman" panose="02020603050405020304" pitchFamily="18" charset="0"/>
@@ -3076,7 +3084,7 @@
               <a:t>Since its inception, the DevOps methodology has seen</a:t>
             </a:r>
             <a:r>
-              <a:rPr lang="en-US" sz="2800" dirty="0" smtClean="0">
+              <a:rPr lang="en-US" sz="2800" dirty="0">
                 <a:solidFill>
                   <a:srgbClr val="374151"/>
                 </a:solidFill>
@@ -3087,7 +3095,7 @@
               <a:t> </a:t>
             </a:r>
             <a:r>
-              <a:rPr lang="en-US" sz="2800" dirty="0" smtClean="0">
+              <a:rPr lang="en-US" sz="2800" dirty="0">
                 <a:effectLst/>
                 <a:latin typeface="Arial" panose="020B0604020202020204" pitchFamily="34" charset="0"/>
                 <a:ea typeface="Calibri" panose="020F0502020204030204" pitchFamily="34" charset="0"/>
@@ -3095,7 +3103,7 @@
               <a:t>Puppet is an open-source configuration management and automation tool used for managing the infrastructure as code (</a:t>
             </a:r>
             <a:r>
-              <a:rPr lang="en-US" sz="2800" dirty="0" err="1" smtClean="0">
+              <a:rPr lang="en-US" sz="2800" dirty="0" err="1">
                 <a:effectLst/>
                 <a:latin typeface="Arial" panose="020B0604020202020204" pitchFamily="34" charset="0"/>
                 <a:ea typeface="Calibri" panose="020F0502020204030204" pitchFamily="34" charset="0"/>
@@ -3103,7 +3111,7 @@
               <a:t>IaC</a:t>
             </a:r>
             <a:r>
-              <a:rPr lang="en-US" sz="2800" dirty="0" smtClean="0">
+              <a:rPr lang="en-US" sz="2800" dirty="0">
                 <a:effectLst/>
                 <a:latin typeface="Arial" panose="020B0604020202020204" pitchFamily="34" charset="0"/>
                 <a:ea typeface="Calibri" panose="020F0502020204030204" pitchFamily="34" charset="0"/>
@@ -3129,7 +3137,7 @@
         </p:blipFill>
         <p:spPr>
           <a:xfrm>
-            <a:off x="7495794" y="-74114"/>
+            <a:off x="7495794" y="534"/>
             <a:ext cx="2724150" cy="1676400"/>
           </a:xfrm>
           <a:prstGeom prst="rect">
@@ -3210,7 +3218,7 @@
               </a:tabLst>
             </a:pPr>
             <a:r>
-              <a:rPr lang="en-US" sz="2400" dirty="0" smtClean="0">
+              <a:rPr lang="en-US" sz="2400" dirty="0">
                 <a:effectLst/>
                 <a:latin typeface="Arial" panose="020B0604020202020204" pitchFamily="34" charset="0"/>
                 <a:ea typeface="Times New Roman" panose="02020603050405020304" pitchFamily="18" charset="0"/>
@@ -3219,7 +3227,7 @@
               <a:t>The global CI tool market size was valued at USD 970.52 million in 2022. It is expected to reach </a:t>
             </a:r>
             <a:r>
-              <a:rPr lang="en-US" sz="2400" u="sng" dirty="0" smtClean="0">
+              <a:rPr lang="en-US" sz="2400" u="sng" dirty="0">
                 <a:solidFill>
                   <a:srgbClr val="025FA2"/>
                 </a:solidFill>
@@ -3232,7 +3240,7 @@
               <a:t>USD 4,377.77 million by 2031</a:t>
             </a:r>
             <a:r>
-              <a:rPr lang="en-US" sz="2400" dirty="0" smtClean="0">
+              <a:rPr lang="en-US" sz="2400" dirty="0">
                 <a:effectLst/>
                 <a:latin typeface="Arial" panose="020B0604020202020204" pitchFamily="34" charset="0"/>
                 <a:ea typeface="Times New Roman" panose="02020603050405020304" pitchFamily="18" charset="0"/>
@@ -3240,7 +3248,7 @@
               </a:rPr>
               <a:t> , growing at a CAGR of 18.22% during the forecast period (2023-2031).</a:t>
             </a:r>
-            <a:endParaRPr lang="en-US" sz="2400" dirty="0" smtClean="0">
+            <a:endParaRPr lang="en-US" sz="2400" dirty="0">
               <a:effectLst/>
               <a:latin typeface="Calibri" panose="020F0502020204030204" pitchFamily="34" charset="0"/>
               <a:ea typeface="Calibri" panose="020F0502020204030204" pitchFamily="34" charset="0"/>
@@ -3266,7 +3274,7 @@
               </a:tabLst>
             </a:pPr>
             <a:r>
-              <a:rPr lang="en-US" sz="2400" dirty="0" smtClean="0">
+              <a:rPr lang="en-US" sz="2400" dirty="0">
                 <a:effectLst/>
                 <a:latin typeface="Arial" panose="020B0604020202020204" pitchFamily="34" charset="0"/>
                 <a:ea typeface="Times New Roman" panose="02020603050405020304" pitchFamily="18" charset="0"/>
@@ -3370,7 +3378,7 @@
               </a:spcAft>
             </a:pPr>
             <a:r>
-              <a:rPr lang="en-US" sz="2400" dirty="0" smtClean="0">
+              <a:rPr lang="en-US" sz="2400" dirty="0">
                 <a:solidFill>
                   <a:srgbClr val="000000"/>
                 </a:solidFill>
@@ -3381,7 +3389,7 @@
               </a:rPr>
               <a:t>AWS DevOps Statistics</a:t>
             </a:r>
-            <a:endParaRPr lang="en-US" sz="2400" dirty="0" smtClean="0">
+            <a:endParaRPr lang="en-US" sz="2400" dirty="0">
               <a:effectLst/>
               <a:latin typeface="Calibri" panose="020F0502020204030204" pitchFamily="34" charset="0"/>
               <a:ea typeface="Calibri" panose="020F0502020204030204" pitchFamily="34" charset="0"/>
@@ -3395,7 +3403,7 @@
               </a:lnSpc>
             </a:pPr>
             <a:r>
-              <a:rPr lang="en-US" sz="2400" dirty="0" smtClean="0">
+              <a:rPr lang="en-US" sz="2400" dirty="0">
                 <a:effectLst/>
                 <a:latin typeface="Arial" panose="020B0604020202020204" pitchFamily="34" charset="0"/>
                 <a:ea typeface="Times New Roman" panose="02020603050405020304" pitchFamily="18" charset="0"/>
@@ -3404,7 +3412,7 @@
               <a:t>First things first, </a:t>
             </a:r>
             <a:r>
-              <a:rPr lang="en-US" sz="2400" b="1" u="sng" dirty="0" smtClean="0">
+              <a:rPr lang="en-US" sz="2400" b="1" u="sng" dirty="0">
                 <a:solidFill>
                   <a:srgbClr val="025FA2"/>
                 </a:solidFill>
@@ -3417,7 +3425,7 @@
               <a:t>AWS DevOps</a:t>
             </a:r>
             <a:r>
-              <a:rPr lang="en-US" sz="2400" dirty="0" smtClean="0">
+              <a:rPr lang="en-US" sz="2400" dirty="0">
                 <a:effectLst/>
                 <a:latin typeface="Arial" panose="020B0604020202020204" pitchFamily="34" charset="0"/>
                 <a:ea typeface="Times New Roman" panose="02020603050405020304" pitchFamily="18" charset="0"/>
@@ -3426,7 +3434,7 @@
               <a:t> has an </a:t>
             </a:r>
             <a:r>
-              <a:rPr lang="en-US" sz="2400" dirty="0" err="1" smtClean="0">
+              <a:rPr lang="en-US" sz="2400" dirty="0" err="1">
                 <a:effectLst/>
                 <a:latin typeface="Arial" panose="020B0604020202020204" pitchFamily="34" charset="0"/>
                 <a:ea typeface="Times New Roman" panose="02020603050405020304" pitchFamily="18" charset="0"/>
@@ -3435,7 +3443,7 @@
               <a:t>impressiv</a:t>
             </a:r>
             <a:r>
-              <a:rPr lang="en-US" sz="2400" dirty="0" smtClean="0">
+              <a:rPr lang="en-US" sz="2400" dirty="0">
                 <a:solidFill>
                   <a:srgbClr val="374151"/>
                 </a:solidFill>
@@ -3447,7 +3455,7 @@
               <a:t> </a:t>
             </a:r>
             <a:r>
-              <a:rPr lang="en-US" sz="2400" dirty="0" smtClean="0">
+              <a:rPr lang="en-US" sz="2400" dirty="0">
                 <a:effectLst/>
                 <a:latin typeface="Arial" panose="020B0604020202020204" pitchFamily="34" charset="0"/>
                 <a:ea typeface="Calibri" panose="020F0502020204030204" pitchFamily="34" charset="0"/>
@@ -3456,7 +3464,7 @@
               <a:t>Puppet is an open-source configuration management and automation tool used for managing the infrastructure as code (</a:t>
             </a:r>
             <a:r>
-              <a:rPr lang="en-US" sz="2400" dirty="0" err="1" smtClean="0">
+              <a:rPr lang="en-US" sz="2400" dirty="0" err="1">
                 <a:effectLst/>
                 <a:latin typeface="Arial" panose="020B0604020202020204" pitchFamily="34" charset="0"/>
                 <a:ea typeface="Calibri" panose="020F0502020204030204" pitchFamily="34" charset="0"/>
@@ -3465,7 +3473,7 @@
               <a:t>IaC</a:t>
             </a:r>
             <a:r>
-              <a:rPr lang="en-US" sz="2400" dirty="0" smtClean="0">
+              <a:rPr lang="en-US" sz="2400" dirty="0">
                 <a:effectLst/>
                 <a:latin typeface="Arial" panose="020B0604020202020204" pitchFamily="34" charset="0"/>
                 <a:ea typeface="Calibri" panose="020F0502020204030204" pitchFamily="34" charset="0"/>
@@ -3577,7 +3585,7 @@
               </a:tabLst>
             </a:pPr>
             <a:r>
-              <a:rPr lang="en-US" sz="2800" b="1" dirty="0" smtClean="0">
+              <a:rPr lang="en-US" sz="2800" b="1" dirty="0">
                 <a:effectLst/>
                 <a:latin typeface="Arial" panose="020B0604020202020204" pitchFamily="34" charset="0"/>
                 <a:ea typeface="Times New Roman" panose="02020603050405020304" pitchFamily="18" charset="0"/>
@@ -3586,7 +3594,7 @@
               <a:t>Infrastructure as Code (</a:t>
             </a:r>
             <a:r>
-              <a:rPr lang="en-US" sz="2800" b="1" dirty="0" err="1" smtClean="0">
+              <a:rPr lang="en-US" sz="2800" b="1" dirty="0" err="1">
                 <a:effectLst/>
                 <a:latin typeface="Arial" panose="020B0604020202020204" pitchFamily="34" charset="0"/>
                 <a:ea typeface="Times New Roman" panose="02020603050405020304" pitchFamily="18" charset="0"/>
@@ -3595,7 +3603,7 @@
               <a:t>IaC</a:t>
             </a:r>
             <a:r>
-              <a:rPr lang="en-US" sz="2800" b="1" dirty="0" smtClean="0">
+              <a:rPr lang="en-US" sz="2800" b="1" dirty="0">
                 <a:effectLst/>
                 <a:latin typeface="Arial" panose="020B0604020202020204" pitchFamily="34" charset="0"/>
                 <a:ea typeface="Times New Roman" panose="02020603050405020304" pitchFamily="18" charset="0"/>
@@ -3604,7 +3612,7 @@
               <a:t>):</a:t>
             </a:r>
             <a:r>
-              <a:rPr lang="en-US" sz="2800" dirty="0" smtClean="0">
+              <a:rPr lang="en-US" sz="2800" dirty="0">
                 <a:effectLst/>
                 <a:latin typeface="Arial" panose="020B0604020202020204" pitchFamily="34" charset="0"/>
                 <a:ea typeface="Times New Roman" panose="02020603050405020304" pitchFamily="18" charset="0"/>
@@ -3708,7 +3716,7 @@
               </a:spcAft>
             </a:pPr>
             <a:r>
-              <a:rPr lang="en-US" sz="2800" dirty="0" smtClean="0">
+              <a:rPr lang="en-US" sz="2800" dirty="0">
                 <a:solidFill>
                   <a:srgbClr val="000000"/>
                 </a:solidFill>
@@ -3719,7 +3727,7 @@
               </a:rPr>
               <a:t>DevOps Usage Statistics</a:t>
             </a:r>
-            <a:endParaRPr lang="en-US" sz="2800" dirty="0" smtClean="0">
+            <a:endParaRPr lang="en-US" sz="2800" dirty="0">
               <a:effectLst/>
               <a:latin typeface="Calibri" panose="020F0502020204030204" pitchFamily="34" charset="0"/>
               <a:ea typeface="Calibri" panose="020F0502020204030204" pitchFamily="34" charset="0"/>
@@ -3733,7 +3741,7 @@
               </a:lnSpc>
             </a:pPr>
             <a:r>
-              <a:rPr lang="en-US" sz="2800" dirty="0" err="1" smtClean="0">
+              <a:rPr lang="en-US" sz="2800" dirty="0" err="1">
                 <a:effectLst/>
                 <a:latin typeface="Arial" panose="020B0604020202020204" pitchFamily="34" charset="0"/>
                 <a:ea typeface="Times New Roman" panose="02020603050405020304" pitchFamily="18" charset="0"/>
@@ -3742,7 +3750,7 @@
               <a:t>Atlassian</a:t>
             </a:r>
             <a:r>
-              <a:rPr lang="en-US" sz="2800" dirty="0" smtClean="0">
+              <a:rPr lang="en-US" sz="2800" dirty="0">
                 <a:effectLst/>
                 <a:latin typeface="Arial" panose="020B0604020202020204" pitchFamily="34" charset="0"/>
                 <a:ea typeface="Times New Roman" panose="02020603050405020304" pitchFamily="18" charset="0"/>
@@ -3750,7 +3758,7 @@
               </a:rPr>
               <a:t> surveyed the DevOps trends that unleashed some exciting statistics; most of you must wonder what the results depicted, right?</a:t>
             </a:r>
-            <a:endParaRPr lang="en-US" sz="2800" dirty="0" smtClean="0">
+            <a:endParaRPr lang="en-US" sz="2800" dirty="0">
               <a:effectLst/>
               <a:latin typeface="Calibri" panose="020F0502020204030204" pitchFamily="34" charset="0"/>
               <a:ea typeface="Calibri" panose="020F0502020204030204" pitchFamily="34" charset="0"/>
@@ -3764,7 +3772,7 @@
               </a:lnSpc>
             </a:pPr>
             <a:r>
-              <a:rPr lang="en-US" sz="2800" dirty="0" smtClean="0">
+              <a:rPr lang="en-US" sz="2800" dirty="0">
                 <a:effectLst/>
                 <a:latin typeface="Arial" panose="020B0604020202020204" pitchFamily="34" charset="0"/>
                 <a:ea typeface="Times New Roman" panose="02020603050405020304" pitchFamily="18" charset="0"/>
@@ -3865,7 +3873,7 @@
               </a:lnSpc>
             </a:pPr>
             <a:r>
-              <a:rPr lang="en-US" sz="2800" dirty="0" smtClean="0">
+              <a:rPr lang="en-US" sz="2800" dirty="0">
                 <a:effectLst/>
                 <a:latin typeface="Arial" panose="020B0604020202020204" pitchFamily="34" charset="0"/>
                 <a:ea typeface="Times New Roman" panose="02020603050405020304" pitchFamily="18" charset="0"/>
@@ -3873,7 +3881,7 @@
               </a:rPr>
               <a:t> </a:t>
             </a:r>
-            <a:endParaRPr lang="en-US" sz="2800" dirty="0" smtClean="0">
+            <a:endParaRPr lang="en-US" sz="2800" dirty="0">
               <a:effectLst/>
               <a:latin typeface="Calibri" panose="020F0502020204030204" pitchFamily="34" charset="0"/>
               <a:ea typeface="Calibri" panose="020F0502020204030204" pitchFamily="34" charset="0"/>
@@ -3899,7 +3907,7 @@
               </a:tabLst>
             </a:pPr>
             <a:r>
-              <a:rPr lang="en-US" sz="2800" dirty="0" smtClean="0">
+              <a:rPr lang="en-US" sz="2800" dirty="0">
                 <a:effectLst/>
                 <a:latin typeface="Arial" panose="020B0604020202020204" pitchFamily="34" charset="0"/>
                 <a:ea typeface="Times New Roman" panose="02020603050405020304" pitchFamily="18" charset="0"/>
@@ -3907,7 +3915,7 @@
               </a:rPr>
               <a:t>61% of the respondents said it helped produce higher-quality deliverables.</a:t>
             </a:r>
-            <a:endParaRPr lang="en-US" sz="2800" dirty="0" smtClean="0">
+            <a:endParaRPr lang="en-US" sz="2800" dirty="0">
               <a:effectLst/>
               <a:latin typeface="Calibri" panose="020F0502020204030204" pitchFamily="34" charset="0"/>
               <a:ea typeface="Calibri" panose="020F0502020204030204" pitchFamily="34" charset="0"/>
@@ -3933,7 +3941,7 @@
               </a:tabLst>
             </a:pPr>
             <a:r>
-              <a:rPr lang="en-US" sz="2800" dirty="0" smtClean="0">
+              <a:rPr lang="en-US" sz="2800" dirty="0">
                 <a:effectLst/>
                 <a:latin typeface="Arial" panose="020B0604020202020204" pitchFamily="34" charset="0"/>
                 <a:ea typeface="Times New Roman" panose="02020603050405020304" pitchFamily="18" charset="0"/>
@@ -3941,7 +3949,7 @@
               </a:rPr>
               <a:t>49% of the respondents said it improved their release experimentation.</a:t>
             </a:r>
-            <a:endParaRPr lang="en-US" sz="2800" dirty="0" smtClean="0">
+            <a:endParaRPr lang="en-US" sz="2800" dirty="0">
               <a:effectLst/>
               <a:latin typeface="Calibri" panose="020F0502020204030204" pitchFamily="34" charset="0"/>
               <a:ea typeface="Calibri" panose="020F0502020204030204" pitchFamily="34" charset="0"/>
@@ -3951,7 +3959,7 @@
           <a:p>
             <a:pPr algn="just"/>
             <a:r>
-              <a:rPr lang="en-US" sz="2800" dirty="0" smtClean="0">
+              <a:rPr lang="en-US" sz="2800" dirty="0">
                 <a:effectLst/>
                 <a:latin typeface="Arial" panose="020B0604020202020204" pitchFamily="34" charset="0"/>
                 <a:ea typeface="Times New Roman" panose="02020603050405020304" pitchFamily="18" charset="0"/>
@@ -4049,7 +4057,7 @@
               </a:spcAft>
             </a:pPr>
             <a:r>
-              <a:rPr lang="en-US" sz="2800" dirty="0" err="1" smtClean="0">
+              <a:rPr lang="en-US" sz="2800" dirty="0" err="1">
                 <a:solidFill>
                   <a:srgbClr val="000000"/>
                 </a:solidFill>
@@ -4061,7 +4069,7 @@
               <a:t>DevSecOps</a:t>
             </a:r>
             <a:r>
-              <a:rPr lang="en-US" sz="2800" dirty="0" smtClean="0">
+              <a:rPr lang="en-US" sz="2800" dirty="0">
                 <a:solidFill>
                   <a:srgbClr val="000000"/>
                 </a:solidFill>
@@ -4072,7 +4080,7 @@
               </a:rPr>
               <a:t> Statistics</a:t>
             </a:r>
-            <a:endParaRPr lang="en-US" sz="2800" dirty="0" smtClean="0">
+            <a:endParaRPr lang="en-US" sz="2800" dirty="0">
               <a:effectLst/>
               <a:latin typeface="Calibri" panose="020F0502020204030204" pitchFamily="34" charset="0"/>
               <a:ea typeface="Calibri" panose="020F0502020204030204" pitchFamily="34" charset="0"/>
@@ -4086,7 +4094,7 @@
               </a:lnSpc>
             </a:pPr>
             <a:r>
-              <a:rPr lang="en-US" sz="2800" dirty="0" err="1" smtClean="0">
+              <a:rPr lang="en-US" sz="2800" dirty="0" err="1">
                 <a:effectLst/>
                 <a:latin typeface="Arial" panose="020B0604020202020204" pitchFamily="34" charset="0"/>
                 <a:ea typeface="Times New Roman" panose="02020603050405020304" pitchFamily="18" charset="0"/>
@@ -4095,7 +4103,7 @@
               <a:t>DevSecOps</a:t>
             </a:r>
             <a:r>
-              <a:rPr lang="en-US" sz="2800" dirty="0" smtClean="0">
+              <a:rPr lang="en-US" sz="2800" dirty="0">
                 <a:effectLst/>
                 <a:latin typeface="Arial" panose="020B0604020202020204" pitchFamily="34" charset="0"/>
                 <a:ea typeface="Times New Roman" panose="02020603050405020304" pitchFamily="18" charset="0"/>
@@ -4104,7 +4112,7 @@
               <a:t> ensures that the security controls are in place throughout development. It does the same by integrating security where it is required into the </a:t>
             </a:r>
             <a:r>
-              <a:rPr lang="en-US" sz="2800" b="1" u="sng" dirty="0" smtClean="0">
+              <a:rPr lang="en-US" sz="2800" b="1" u="sng" dirty="0">
                 <a:solidFill>
                   <a:srgbClr val="025FA2"/>
                 </a:solidFill>
@@ -4117,7 +4125,7 @@
               <a:t>CI/CD pipelines</a:t>
             </a:r>
             <a:r>
-              <a:rPr lang="en-US" sz="2800" dirty="0" smtClean="0">
+              <a:rPr lang="en-US" sz="2800" dirty="0">
                 <a:effectLst/>
                 <a:latin typeface="Arial" panose="020B0604020202020204" pitchFamily="34" charset="0"/>
                 <a:ea typeface="Times New Roman" panose="02020603050405020304" pitchFamily="18" charset="0"/>
@@ -4126,7 +4134,7 @@
               <a:t>. Now let us walk you through the </a:t>
             </a:r>
             <a:r>
-              <a:rPr lang="en-US" sz="2800" dirty="0" err="1" smtClean="0">
+              <a:rPr lang="en-US" sz="2800" dirty="0" err="1">
                 <a:effectLst/>
                 <a:latin typeface="Arial" panose="020B0604020202020204" pitchFamily="34" charset="0"/>
                 <a:ea typeface="Times New Roman" panose="02020603050405020304" pitchFamily="18" charset="0"/>
@@ -4135,7 +4143,7 @@
               <a:t>DevSecOps</a:t>
             </a:r>
             <a:r>
-              <a:rPr lang="en-US" sz="2800" dirty="0" smtClean="0">
+              <a:rPr lang="en-US" sz="2800" dirty="0">
                 <a:effectLst/>
                 <a:latin typeface="Arial" panose="020B0604020202020204" pitchFamily="34" charset="0"/>
                 <a:ea typeface="Times New Roman" panose="02020603050405020304" pitchFamily="18" charset="0"/>
@@ -4248,7 +4256,7 @@
               </a:tabLst>
             </a:pPr>
             <a:r>
-              <a:rPr lang="en-US" sz="2800" dirty="0" err="1" smtClean="0">
+              <a:rPr lang="en-US" sz="2800" dirty="0" err="1">
                 <a:effectLst/>
                 <a:latin typeface="Arial" panose="020B0604020202020204" pitchFamily="34" charset="0"/>
                 <a:ea typeface="Times New Roman" panose="02020603050405020304" pitchFamily="18" charset="0"/>
@@ -4257,7 +4265,7 @@
               <a:t>DevSecOps</a:t>
             </a:r>
             <a:r>
-              <a:rPr lang="en-US" sz="2800" dirty="0" smtClean="0">
+              <a:rPr lang="en-US" sz="2800" dirty="0">
                 <a:effectLst/>
                 <a:latin typeface="Arial" panose="020B0604020202020204" pitchFamily="34" charset="0"/>
                 <a:ea typeface="Times New Roman" panose="02020603050405020304" pitchFamily="18" charset="0"/>
@@ -4265,7 +4273,7 @@
               </a:rPr>
               <a:t> is used by 36% of the respondents when it comes down to developing software, compared to 27% in 2020.</a:t>
             </a:r>
-            <a:endParaRPr lang="en-US" sz="2800" dirty="0" smtClean="0">
+            <a:endParaRPr lang="en-US" sz="2800" dirty="0">
               <a:effectLst/>
               <a:latin typeface="Calibri" panose="020F0502020204030204" pitchFamily="34" charset="0"/>
               <a:ea typeface="Calibri" panose="020F0502020204030204" pitchFamily="34" charset="0"/>
@@ -4291,7 +4299,7 @@
               </a:tabLst>
             </a:pPr>
             <a:r>
-              <a:rPr lang="en-US" sz="2800" dirty="0" smtClean="0">
+              <a:rPr lang="en-US" sz="2800" dirty="0">
                 <a:effectLst/>
                 <a:latin typeface="Arial" panose="020B0604020202020204" pitchFamily="34" charset="0"/>
                 <a:ea typeface="Times New Roman" panose="02020603050405020304" pitchFamily="18" charset="0"/>
@@ -4299,7 +4307,7 @@
               </a:rPr>
               <a:t>96% of the respondents, automating security, and compliance operations, a core DevOps principle, said that it did benefit their business.</a:t>
             </a:r>
-            <a:endParaRPr lang="en-US" sz="2800" dirty="0" smtClean="0">
+            <a:endParaRPr lang="en-US" sz="2800" dirty="0">
               <a:effectLst/>
               <a:latin typeface="Calibri" panose="020F0502020204030204" pitchFamily="34" charset="0"/>
               <a:ea typeface="Calibri" panose="020F0502020204030204" pitchFamily="34" charset="0"/>
@@ -4325,7 +4333,7 @@
               </a:tabLst>
             </a:pPr>
             <a:r>
-              <a:rPr lang="en-US" sz="2800" dirty="0" smtClean="0">
+              <a:rPr lang="en-US" sz="2800" dirty="0">
                 <a:effectLst/>
                 <a:latin typeface="Arial" panose="020B0604020202020204" pitchFamily="34" charset="0"/>
                 <a:ea typeface="Times New Roman" panose="02020603050405020304" pitchFamily="18" charset="0"/>
@@ -4334,7 +4342,7 @@
               <a:t>60% of engineers release code twice as quickly, credits to the </a:t>
             </a:r>
             <a:r>
-              <a:rPr lang="en-US" sz="2800" dirty="0" err="1" smtClean="0">
+              <a:rPr lang="en-US" sz="2800" dirty="0" err="1">
                 <a:effectLst/>
                 <a:latin typeface="Arial" panose="020B0604020202020204" pitchFamily="34" charset="0"/>
                 <a:ea typeface="Times New Roman" panose="02020603050405020304" pitchFamily="18" charset="0"/>
@@ -4343,7 +4351,7 @@
               <a:t>DevSecOps</a:t>
             </a:r>
             <a:r>
-              <a:rPr lang="en-US" sz="2800" dirty="0" smtClean="0">
+              <a:rPr lang="en-US" sz="2800" dirty="0">
                 <a:effectLst/>
                 <a:latin typeface="Arial" panose="020B0604020202020204" pitchFamily="34" charset="0"/>
                 <a:ea typeface="Times New Roman" panose="02020603050405020304" pitchFamily="18" charset="0"/>
@@ -4447,7 +4455,7 @@
               </a:spcAft>
             </a:pPr>
             <a:r>
-              <a:rPr lang="en-US" sz="3200" dirty="0" smtClean="0">
+              <a:rPr lang="en-US" sz="3200" dirty="0">
                 <a:solidFill>
                   <a:srgbClr val="000000"/>
                 </a:solidFill>
@@ -4458,7 +4466,7 @@
               </a:rPr>
               <a:t>DevOps Benefits Statistics</a:t>
             </a:r>
-            <a:endParaRPr lang="en-US" sz="3200" dirty="0" smtClean="0">
+            <a:endParaRPr lang="en-US" sz="3200" dirty="0">
               <a:effectLst/>
               <a:latin typeface="Calibri" panose="020F0502020204030204" pitchFamily="34" charset="0"/>
               <a:ea typeface="Calibri" panose="020F0502020204030204" pitchFamily="34" charset="0"/>
@@ -4472,7 +4480,7 @@
               </a:lnSpc>
             </a:pPr>
             <a:r>
-              <a:rPr lang="en-US" sz="3200" dirty="0" smtClean="0">
+              <a:rPr lang="en-US" sz="3200" dirty="0">
                 <a:effectLst/>
                 <a:latin typeface="Arial" panose="020B0604020202020204" pitchFamily="34" charset="0"/>
                 <a:ea typeface="Times New Roman" panose="02020603050405020304" pitchFamily="18" charset="0"/>
@@ -4827,7 +4835,7 @@
               </a:tabLst>
             </a:pPr>
             <a:r>
-              <a:rPr lang="en-US" b="1" dirty="0" smtClean="0">
+              <a:rPr lang="en-US" b="1" dirty="0">
                 <a:effectLst/>
                 <a:latin typeface="Arial" panose="020B0604020202020204" pitchFamily="34" charset="0"/>
                 <a:ea typeface="Times New Roman" panose="02020603050405020304" pitchFamily="18" charset="0"/>
@@ -4836,7 +4844,7 @@
               <a:t>Infrastructure as Code (</a:t>
             </a:r>
             <a:r>
-              <a:rPr lang="en-US" b="1" dirty="0" err="1" smtClean="0">
+              <a:rPr lang="en-US" b="1" dirty="0" err="1">
                 <a:effectLst/>
                 <a:latin typeface="Arial" panose="020B0604020202020204" pitchFamily="34" charset="0"/>
                 <a:ea typeface="Times New Roman" panose="02020603050405020304" pitchFamily="18" charset="0"/>
@@ -4845,7 +4853,7 @@
               <a:t>IaC</a:t>
             </a:r>
             <a:r>
-              <a:rPr lang="en-US" b="1" dirty="0" smtClean="0">
+              <a:rPr lang="en-US" b="1" dirty="0">
                 <a:effectLst/>
                 <a:latin typeface="Arial" panose="020B0604020202020204" pitchFamily="34" charset="0"/>
                 <a:ea typeface="Times New Roman" panose="02020603050405020304" pitchFamily="18" charset="0"/>
@@ -4854,7 +4862,7 @@
               <a:t>):</a:t>
             </a:r>
             <a:r>
-              <a:rPr lang="en-US" dirty="0" smtClean="0">
+              <a:rPr lang="en-US" dirty="0">
                 <a:effectLst/>
                 <a:latin typeface="Arial" panose="020B0604020202020204" pitchFamily="34" charset="0"/>
                 <a:ea typeface="Times New Roman" panose="02020603050405020304" pitchFamily="18" charset="0"/>
@@ -4862,7 +4870,7 @@
               </a:rPr>
               <a:t> Puppet allows administrators to define the desired state of their infrastructure and applications using code. This code is stored in Puppet manifests, making infrastructure management predictable and repeatable.</a:t>
             </a:r>
-            <a:endParaRPr lang="en-US" sz="1600" dirty="0" smtClean="0">
+            <a:endParaRPr lang="en-US" sz="1600" dirty="0">
               <a:effectLst/>
               <a:latin typeface="Calibri" panose="020F0502020204030204" pitchFamily="34" charset="0"/>
               <a:ea typeface="Calibri" panose="020F0502020204030204" pitchFamily="34" charset="0"/>
@@ -4887,7 +4895,7 @@
               </a:tabLst>
             </a:pPr>
             <a:r>
-              <a:rPr lang="en-US" b="1" dirty="0" smtClean="0">
+              <a:rPr lang="en-US" b="1" dirty="0">
                 <a:effectLst/>
                 <a:latin typeface="Arial" panose="020B0604020202020204" pitchFamily="34" charset="0"/>
                 <a:ea typeface="Times New Roman" panose="02020603050405020304" pitchFamily="18" charset="0"/>
@@ -4896,7 +4904,7 @@
               <a:t>Declarative Language:</a:t>
             </a:r>
             <a:r>
-              <a:rPr lang="en-US" dirty="0" smtClean="0">
+              <a:rPr lang="en-US" dirty="0">
                 <a:effectLst/>
                 <a:latin typeface="Arial" panose="020B0604020202020204" pitchFamily="34" charset="0"/>
                 <a:ea typeface="Times New Roman" panose="02020603050405020304" pitchFamily="18" charset="0"/>
@@ -4904,7 +4912,7 @@
               </a:rPr>
               <a:t> Puppet uses a declarative language to describe the desired state of resources, such as packages, files, users, and services. Users specify "what" they want, and Puppet figures out "how" to make it happen.</a:t>
             </a:r>
-            <a:endParaRPr lang="en-US" sz="1600" dirty="0" smtClean="0">
+            <a:endParaRPr lang="en-US" sz="1600" dirty="0">
               <a:effectLst/>
               <a:latin typeface="Calibri" panose="020F0502020204030204" pitchFamily="34" charset="0"/>
               <a:ea typeface="Calibri" panose="020F0502020204030204" pitchFamily="34" charset="0"/>
@@ -4929,7 +4937,7 @@
               </a:tabLst>
             </a:pPr>
             <a:r>
-              <a:rPr lang="en-US" b="1" dirty="0" smtClean="0">
+              <a:rPr lang="en-US" b="1" dirty="0">
                 <a:effectLst/>
                 <a:latin typeface="Arial" panose="020B0604020202020204" pitchFamily="34" charset="0"/>
                 <a:ea typeface="Times New Roman" panose="02020603050405020304" pitchFamily="18" charset="0"/>
@@ -4938,7 +4946,7 @@
               <a:t>Cross-Platform Support:</a:t>
             </a:r>
             <a:r>
-              <a:rPr lang="en-US" dirty="0" smtClean="0">
+              <a:rPr lang="en-US" dirty="0">
                 <a:effectLst/>
                 <a:latin typeface="Arial" panose="020B0604020202020204" pitchFamily="34" charset="0"/>
                 <a:ea typeface="Times New Roman" panose="02020603050405020304" pitchFamily="18" charset="0"/>
@@ -4947,7 +4955,7 @@
               <a:t> Puppet supports multiple operating systems, including Linux, Windows, and </a:t>
             </a:r>
             <a:r>
-              <a:rPr lang="en-US" dirty="0" err="1" smtClean="0">
+              <a:rPr lang="en-US" dirty="0" err="1">
                 <a:effectLst/>
                 <a:latin typeface="Arial" panose="020B0604020202020204" pitchFamily="34" charset="0"/>
                 <a:ea typeface="Times New Roman" panose="02020603050405020304" pitchFamily="18" charset="0"/>
@@ -4956,7 +4964,7 @@
               <a:t>macOS</a:t>
             </a:r>
             <a:r>
-              <a:rPr lang="en-US" dirty="0" smtClean="0">
+              <a:rPr lang="en-US" dirty="0">
                 <a:effectLst/>
                 <a:latin typeface="Arial" panose="020B0604020202020204" pitchFamily="34" charset="0"/>
                 <a:ea typeface="Times New Roman" panose="02020603050405020304" pitchFamily="18" charset="0"/>
@@ -4964,7 +4972,7 @@
               </a:rPr>
               <a:t>, making it suitable for heterogeneous environments.</a:t>
             </a:r>
-            <a:endParaRPr lang="en-US" sz="1600" dirty="0" smtClean="0">
+            <a:endParaRPr lang="en-US" sz="1600" dirty="0">
               <a:effectLst/>
               <a:latin typeface="Calibri" panose="020F0502020204030204" pitchFamily="34" charset="0"/>
               <a:ea typeface="Calibri" panose="020F0502020204030204" pitchFamily="34" charset="0"/>
@@ -4989,7 +4997,7 @@
               </a:tabLst>
             </a:pPr>
             <a:r>
-              <a:rPr lang="en-US" b="1" dirty="0" smtClean="0">
+              <a:rPr lang="en-US" b="1" dirty="0">
                 <a:effectLst/>
                 <a:latin typeface="Arial" panose="020B0604020202020204" pitchFamily="34" charset="0"/>
                 <a:ea typeface="Times New Roman" panose="02020603050405020304" pitchFamily="18" charset="0"/>
@@ -4998,7 +5006,7 @@
               <a:t>Agent-Based Architecture:</a:t>
             </a:r>
             <a:r>
-              <a:rPr lang="en-US" dirty="0" smtClean="0">
+              <a:rPr lang="en-US" dirty="0">
                 <a:effectLst/>
                 <a:latin typeface="Arial" panose="020B0604020202020204" pitchFamily="34" charset="0"/>
                 <a:ea typeface="Times New Roman" panose="02020603050405020304" pitchFamily="18" charset="0"/>
@@ -6129,15 +6137,6 @@
             </a:r>
           </a:p>
           <a:p>
-            <a:r>
-              <a:rPr lang="en-US" dirty="0">
-                <a:solidFill>
-                  <a:srgbClr val="000000"/>
-                </a:solidFill>
-                <a:latin typeface="Raleway"/>
-              </a:rPr>
-              <a:t/>
-            </a:r>
             <a:br>
               <a:rPr lang="en-US" dirty="0">
                 <a:solidFill>
@@ -6206,22 +6205,13 @@
               <a:buAutoNum type="arabicPeriod"/>
             </a:pPr>
             <a:r>
-              <a:rPr lang="en-US" b="1" dirty="0" smtClean="0">
+              <a:rPr lang="en-US" b="1" dirty="0">
                 <a:solidFill>
                   <a:srgbClr val="000000"/>
                 </a:solidFill>
                 <a:latin typeface="Raleway"/>
               </a:rPr>
-              <a:t>Test </a:t>
-            </a:r>
-            <a:r>
-              <a:rPr lang="en-US" b="1" dirty="0">
-                <a:solidFill>
-                  <a:srgbClr val="000000"/>
-                </a:solidFill>
-                <a:latin typeface="Raleway"/>
-              </a:rPr>
-              <a:t>Environment Management:</a:t>
+              <a:t>Test Environment Management:</a:t>
             </a:r>
             <a:r>
               <a:rPr lang="en-US" dirty="0">
@@ -6367,14 +6357,44 @@
           <a:p>
             <a:pPr algn="just"/>
             <a:r>
-              <a:rPr lang="en-US" b="1" dirty="0" smtClean="0">
+              <a:rPr lang="en-US" b="1" dirty="0">
                 <a:solidFill>
                   <a:srgbClr val="000000"/>
                 </a:solidFill>
                 <a:latin typeface="Raleway"/>
               </a:rPr>
-              <a:t>5.Parallel </a:t>
-            </a:r>
+              <a:t>5.Parallel Test Execution:</a:t>
+            </a:r>
+            <a:r>
+              <a:rPr lang="en-US" dirty="0">
+                <a:solidFill>
+                  <a:srgbClr val="000000"/>
+                </a:solidFill>
+                <a:latin typeface="Raleway"/>
+              </a:rPr>
+              <a:t> Selenium Grid or cloud-based testing platforms like Sauce Labs or </a:t>
+            </a:r>
+            <a:r>
+              <a:rPr lang="en-US" dirty="0" err="1">
+                <a:solidFill>
+                  <a:srgbClr val="000000"/>
+                </a:solidFill>
+                <a:latin typeface="Raleway"/>
+              </a:rPr>
+              <a:t>BrowserStack</a:t>
+            </a:r>
+            <a:r>
+              <a:rPr lang="en-US" dirty="0">
+                <a:solidFill>
+                  <a:srgbClr val="000000"/>
+                </a:solidFill>
+                <a:latin typeface="Raleway"/>
+              </a:rPr>
+              <a:t> can be used to execute Selenium tests in parallel across multiple browsers and devices. This speeds up test execution and allows for comprehensive cross-browser and cross-platform testing.</a:t>
+            </a:r>
+          </a:p>
+          <a:p>
+            <a:pPr algn="just"/>
             <a:r>
               <a:rPr lang="en-US" b="1" dirty="0">
                 <a:solidFill>
@@ -6382,55 +6402,7 @@
                 </a:solidFill>
                 <a:latin typeface="Raleway"/>
               </a:rPr>
-              <a:t>Test Execution:</a:t>
-            </a:r>
-            <a:r>
-              <a:rPr lang="en-US" dirty="0">
-                <a:solidFill>
-                  <a:srgbClr val="000000"/>
-                </a:solidFill>
-                <a:latin typeface="Raleway"/>
-              </a:rPr>
-              <a:t> Selenium Grid or cloud-based testing platforms like Sauce Labs or </a:t>
-            </a:r>
-            <a:r>
-              <a:rPr lang="en-US" dirty="0" err="1">
-                <a:solidFill>
-                  <a:srgbClr val="000000"/>
-                </a:solidFill>
-                <a:latin typeface="Raleway"/>
-              </a:rPr>
-              <a:t>BrowserStack</a:t>
-            </a:r>
-            <a:r>
-              <a:rPr lang="en-US" dirty="0">
-                <a:solidFill>
-                  <a:srgbClr val="000000"/>
-                </a:solidFill>
-                <a:latin typeface="Raleway"/>
-              </a:rPr>
-              <a:t> can be used to execute Selenium tests in parallel across multiple browsers and devices. This speeds up test execution and allows for comprehensive cross-browser and cross-platform testing.</a:t>
-            </a:r>
-          </a:p>
-          <a:p>
-            <a:pPr algn="just"/>
-            <a:r>
-              <a:rPr lang="en-US" b="1" dirty="0" smtClean="0">
-                <a:solidFill>
-                  <a:srgbClr val="000000"/>
-                </a:solidFill>
-                <a:latin typeface="Raleway"/>
-              </a:rPr>
-              <a:t>6.Infrastructure </a:t>
-            </a:r>
-            <a:r>
-              <a:rPr lang="en-US" b="1" dirty="0">
-                <a:solidFill>
-                  <a:srgbClr val="000000"/>
-                </a:solidFill>
-                <a:latin typeface="Raleway"/>
-              </a:rPr>
-              <a:t>Monitoring:</a:t>
+              <a:t>6.Infrastructure Monitoring:</a:t>
             </a:r>
             <a:r>
               <a:rPr lang="en-US" dirty="0">
@@ -7067,7 +7039,7 @@
               </a:tabLst>
             </a:pPr>
             <a:r>
-              <a:rPr lang="en-US" sz="2200" b="1" dirty="0" smtClean="0">
+              <a:rPr lang="en-US" sz="2200" b="1" dirty="0">
                 <a:effectLst/>
                 <a:latin typeface="Arial" panose="020B0604020202020204" pitchFamily="34" charset="0"/>
                 <a:ea typeface="Times New Roman" panose="02020603050405020304" pitchFamily="18" charset="0"/>
@@ -7076,7 +7048,7 @@
               <a:t>6.Resource Abstraction:</a:t>
             </a:r>
             <a:r>
-              <a:rPr lang="en-US" sz="2200" dirty="0" smtClean="0">
+              <a:rPr lang="en-US" sz="2200" dirty="0">
                 <a:effectLst/>
                 <a:latin typeface="Arial" panose="020B0604020202020204" pitchFamily="34" charset="0"/>
                 <a:ea typeface="Times New Roman" panose="02020603050405020304" pitchFamily="18" charset="0"/>
@@ -7084,7 +7056,7 @@
               </a:rPr>
               <a:t> Puppet abstracts resources (e.g., files, services) to simplify configuration management across different platforms. Puppet modules encapsulate resources and logic, making it easy to reuse and share configurations.</a:t>
             </a:r>
-            <a:endParaRPr lang="en-US" sz="2200" dirty="0" smtClean="0">
+            <a:endParaRPr lang="en-US" sz="2200" dirty="0">
               <a:effectLst/>
               <a:latin typeface="Calibri" panose="020F0502020204030204" pitchFamily="34" charset="0"/>
               <a:ea typeface="Calibri" panose="020F0502020204030204" pitchFamily="34" charset="0"/>
@@ -7107,7 +7079,7 @@
               </a:tabLst>
             </a:pPr>
             <a:r>
-              <a:rPr lang="en-US" sz="2200" b="1" dirty="0" smtClean="0">
+              <a:rPr lang="en-US" sz="2200" b="1" dirty="0">
                 <a:effectLst/>
                 <a:latin typeface="Arial" panose="020B0604020202020204" pitchFamily="34" charset="0"/>
                 <a:ea typeface="Times New Roman" panose="02020603050405020304" pitchFamily="18" charset="0"/>
@@ -7116,7 +7088,7 @@
               <a:t>7. Version Control:</a:t>
             </a:r>
             <a:r>
-              <a:rPr lang="en-US" sz="2200" dirty="0" smtClean="0">
+              <a:rPr lang="en-US" sz="2200" dirty="0">
                 <a:effectLst/>
                 <a:latin typeface="Arial" panose="020B0604020202020204" pitchFamily="34" charset="0"/>
                 <a:ea typeface="Times New Roman" panose="02020603050405020304" pitchFamily="18" charset="0"/>
@@ -7125,7 +7097,7 @@
               <a:t> Puppet code can be versioned and managed in a version control system (e.g., </a:t>
             </a:r>
             <a:r>
-              <a:rPr lang="en-US" sz="2200" dirty="0" err="1" smtClean="0">
+              <a:rPr lang="en-US" sz="2200" dirty="0" err="1">
                 <a:effectLst/>
                 <a:latin typeface="Arial" panose="020B0604020202020204" pitchFamily="34" charset="0"/>
                 <a:ea typeface="Times New Roman" panose="02020603050405020304" pitchFamily="18" charset="0"/>
@@ -7134,7 +7106,7 @@
               <a:t>Git</a:t>
             </a:r>
             <a:r>
-              <a:rPr lang="en-US" sz="2200" dirty="0" smtClean="0">
+              <a:rPr lang="en-US" sz="2200" dirty="0">
                 <a:effectLst/>
                 <a:latin typeface="Arial" panose="020B0604020202020204" pitchFamily="34" charset="0"/>
                 <a:ea typeface="Times New Roman" panose="02020603050405020304" pitchFamily="18" charset="0"/>
@@ -7142,7 +7114,7 @@
               </a:rPr>
               <a:t>), allowing for collaboration and change tracking.</a:t>
             </a:r>
-            <a:endParaRPr lang="en-US" sz="2200" dirty="0" smtClean="0">
+            <a:endParaRPr lang="en-US" sz="2200" dirty="0">
               <a:effectLst/>
               <a:latin typeface="Calibri" panose="020F0502020204030204" pitchFamily="34" charset="0"/>
               <a:ea typeface="Calibri" panose="020F0502020204030204" pitchFamily="34" charset="0"/>
@@ -7165,7 +7137,7 @@
               </a:tabLst>
             </a:pPr>
             <a:r>
-              <a:rPr lang="en-US" sz="2200" b="1" dirty="0" smtClean="0">
+              <a:rPr lang="en-US" sz="2200" b="1" dirty="0">
                 <a:effectLst/>
                 <a:latin typeface="Arial" panose="020B0604020202020204" pitchFamily="34" charset="0"/>
                 <a:ea typeface="Times New Roman" panose="02020603050405020304" pitchFamily="18" charset="0"/>
@@ -7174,7 +7146,7 @@
               <a:t>8.Configuration Templating:</a:t>
             </a:r>
             <a:r>
-              <a:rPr lang="en-US" sz="2200" dirty="0" smtClean="0">
+              <a:rPr lang="en-US" sz="2200" dirty="0">
                 <a:effectLst/>
                 <a:latin typeface="Arial" panose="020B0604020202020204" pitchFamily="34" charset="0"/>
                 <a:ea typeface="Times New Roman" panose="02020603050405020304" pitchFamily="18" charset="0"/>
@@ -7182,7 +7154,7 @@
               </a:rPr>
               <a:t> Puppet supports templates, enabling dynamic configuration generation based on variables and data.</a:t>
             </a:r>
-            <a:endParaRPr lang="en-US" sz="2200" dirty="0" smtClean="0">
+            <a:endParaRPr lang="en-US" sz="2200" dirty="0">
               <a:effectLst/>
               <a:latin typeface="Calibri" panose="020F0502020204030204" pitchFamily="34" charset="0"/>
               <a:ea typeface="Calibri" panose="020F0502020204030204" pitchFamily="34" charset="0"/>
@@ -7205,7 +7177,7 @@
               </a:tabLst>
             </a:pPr>
             <a:r>
-              <a:rPr lang="en-US" sz="2200" b="1" dirty="0" smtClean="0">
+              <a:rPr lang="en-US" sz="2200" b="1" dirty="0">
                 <a:effectLst/>
                 <a:latin typeface="Arial" panose="020B0604020202020204" pitchFamily="34" charset="0"/>
                 <a:ea typeface="Times New Roman" panose="02020603050405020304" pitchFamily="18" charset="0"/>
@@ -7214,7 +7186,7 @@
               <a:t>9.Dependency Management:</a:t>
             </a:r>
             <a:r>
-              <a:rPr lang="en-US" sz="2200" dirty="0" smtClean="0">
+              <a:rPr lang="en-US" sz="2200" dirty="0">
                 <a:effectLst/>
                 <a:latin typeface="Arial" panose="020B0604020202020204" pitchFamily="34" charset="0"/>
                 <a:ea typeface="Times New Roman" panose="02020603050405020304" pitchFamily="18" charset="0"/>
@@ -7222,7 +7194,7 @@
               </a:rPr>
               <a:t> Puppet manages dependencies between resources, ensuring that resources are applied in the correct order to maintain system consistency.</a:t>
             </a:r>
-            <a:endParaRPr lang="en-US" sz="2200" dirty="0" smtClean="0">
+            <a:endParaRPr lang="en-US" sz="2200" dirty="0">
               <a:effectLst/>
               <a:latin typeface="Calibri" panose="020F0502020204030204" pitchFamily="34" charset="0"/>
               <a:ea typeface="Calibri" panose="020F0502020204030204" pitchFamily="34" charset="0"/>
@@ -7245,7 +7217,7 @@
               </a:tabLst>
             </a:pPr>
             <a:r>
-              <a:rPr lang="en-US" sz="2200" b="1" dirty="0" smtClean="0">
+              <a:rPr lang="en-US" sz="2200" b="1" dirty="0">
                 <a:effectLst/>
                 <a:latin typeface="Arial" panose="020B0604020202020204" pitchFamily="34" charset="0"/>
                 <a:ea typeface="Times New Roman" panose="02020603050405020304" pitchFamily="18" charset="0"/>
@@ -7254,7 +7226,7 @@
               <a:t>10.Reporting and Logging:</a:t>
             </a:r>
             <a:r>
-              <a:rPr lang="en-US" sz="2200" dirty="0" smtClean="0">
+              <a:rPr lang="en-US" sz="2200" dirty="0">
                 <a:effectLst/>
                 <a:latin typeface="Arial" panose="020B0604020202020204" pitchFamily="34" charset="0"/>
                 <a:ea typeface="Times New Roman" panose="02020603050405020304" pitchFamily="18" charset="0"/>
@@ -7262,7 +7234,7 @@
               </a:rPr>
               <a:t> Puppet provides reporting and logging capabilities to track changes, audit configurations, and troubleshoot issues.</a:t>
             </a:r>
-            <a:endParaRPr lang="en-US" sz="2200" dirty="0" smtClean="0">
+            <a:endParaRPr lang="en-US" sz="2200" dirty="0">
               <a:effectLst/>
               <a:latin typeface="Calibri" panose="020F0502020204030204" pitchFamily="34" charset="0"/>
               <a:ea typeface="Calibri" panose="020F0502020204030204" pitchFamily="34" charset="0"/>
@@ -7285,7 +7257,7 @@
               </a:tabLst>
             </a:pPr>
             <a:r>
-              <a:rPr lang="en-US" sz="2200" b="1" dirty="0" smtClean="0">
+              <a:rPr lang="en-US" sz="2200" b="1" dirty="0">
                 <a:effectLst/>
                 <a:latin typeface="Arial" panose="020B0604020202020204" pitchFamily="34" charset="0"/>
                 <a:ea typeface="Times New Roman" panose="02020603050405020304" pitchFamily="18" charset="0"/>
@@ -7294,7 +7266,7 @@
               <a:t>11.Puppet Forge:</a:t>
             </a:r>
             <a:r>
-              <a:rPr lang="en-US" sz="2200" dirty="0" smtClean="0">
+              <a:rPr lang="en-US" sz="2200" dirty="0">
                 <a:effectLst/>
                 <a:latin typeface="Arial" panose="020B0604020202020204" pitchFamily="34" charset="0"/>
                 <a:ea typeface="Times New Roman" panose="02020603050405020304" pitchFamily="18" charset="0"/>
@@ -7400,15 +7372,6 @@
             </a:r>
           </a:p>
           <a:p>
-            <a:r>
-              <a:rPr lang="en-US" dirty="0">
-                <a:solidFill>
-                  <a:srgbClr val="333333"/>
-                </a:solidFill>
-                <a:latin typeface="source-sans-pro"/>
-              </a:rPr>
-              <a:t/>
-            </a:r>
             <a:br>
               <a:rPr lang="en-US" dirty="0">
                 <a:solidFill>
@@ -8969,7 +8932,7 @@
               </a:lnSpc>
             </a:pPr>
             <a:r>
-              <a:rPr lang="en-US" sz="2400" dirty="0" smtClean="0">
+              <a:rPr lang="en-US" sz="2400" dirty="0">
                 <a:effectLst/>
                 <a:latin typeface="Arial" panose="020B0604020202020204" pitchFamily="34" charset="0"/>
                 <a:ea typeface="Times New Roman" panose="02020603050405020304" pitchFamily="18" charset="0"/>
@@ -8985,7 +8948,7 @@
               </a:lnSpc>
             </a:pPr>
             <a:r>
-              <a:rPr lang="en-US" sz="2400" dirty="0" smtClean="0">
+              <a:rPr lang="en-US" sz="2400" dirty="0">
                 <a:effectLst/>
                 <a:latin typeface="Arial" panose="020B0604020202020204" pitchFamily="34" charset="0"/>
                 <a:ea typeface="Times New Roman" panose="02020603050405020304" pitchFamily="18" charset="0"/>
@@ -10738,7 +10701,7 @@
               </a:spcAft>
             </a:pPr>
             <a:r>
-              <a:rPr lang="en-US" sz="2400" dirty="0" smtClean="0">
+              <a:rPr lang="en-US" sz="2400" dirty="0">
                 <a:solidFill>
                   <a:srgbClr val="000000"/>
                 </a:solidFill>
@@ -10749,7 +10712,7 @@
               </a:rPr>
               <a:t>DevOps Adoption Statistics</a:t>
             </a:r>
-            <a:endParaRPr lang="en-US" sz="2400" dirty="0" smtClean="0">
+            <a:endParaRPr lang="en-US" sz="2400" dirty="0">
               <a:effectLst/>
               <a:latin typeface="Calibri" panose="020F0502020204030204" pitchFamily="34" charset="0"/>
               <a:ea typeface="Calibri" panose="020F0502020204030204" pitchFamily="34" charset="0"/>
@@ -10763,7 +10726,7 @@
               </a:lnSpc>
             </a:pPr>
             <a:r>
-              <a:rPr lang="en-US" sz="2400" dirty="0" smtClean="0">
+              <a:rPr lang="en-US" sz="2400" dirty="0">
                 <a:effectLst/>
                 <a:latin typeface="Arial" panose="020B0604020202020204" pitchFamily="34" charset="0"/>
                 <a:ea typeface="Times New Roman" panose="02020603050405020304" pitchFamily="18" charset="0"/>
@@ -10771,7 +10734,7 @@
               </a:rPr>
               <a:t>Well, the market is huge, yet again, it's nowhere close to stopping and is still evolving, and most importantly, DevOps has proved to be more prominent than ever before. You'll be amazed to learn that a few extraordinary things are happening in DevOps. Do you wonder what those things are? Read on to unleash the same.</a:t>
             </a:r>
-            <a:endParaRPr lang="en-US" sz="2400" dirty="0" smtClean="0">
+            <a:endParaRPr lang="en-US" sz="2400" dirty="0">
               <a:effectLst/>
               <a:latin typeface="Calibri" panose="020F0502020204030204" pitchFamily="34" charset="0"/>
               <a:ea typeface="Calibri" panose="020F0502020204030204" pitchFamily="34" charset="0"/>
@@ -10785,7 +10748,7 @@
               </a:lnSpc>
             </a:pPr>
             <a:r>
-              <a:rPr lang="en-US" sz="2400" dirty="0" smtClean="0">
+              <a:rPr lang="en-US" sz="2400" dirty="0">
                 <a:effectLst/>
                 <a:latin typeface="Arial" panose="020B0604020202020204" pitchFamily="34" charset="0"/>
                 <a:ea typeface="Times New Roman" panose="02020603050405020304" pitchFamily="18" charset="0"/>
@@ -10794,7 +10757,7 @@
               <a:t>According to research conducted by Gartner, more than </a:t>
             </a:r>
             <a:r>
-              <a:rPr lang="en-US" sz="2400" b="1" u="sng" dirty="0" smtClean="0">
+              <a:rPr lang="en-US" sz="2400" b="1" u="sng" dirty="0">
                 <a:solidFill>
                   <a:srgbClr val="025FA2"/>
                 </a:solidFill>
@@ -10807,7 +10770,7 @@
               <a:t>85% of organizations</a:t>
             </a:r>
             <a:r>
-              <a:rPr lang="en-US" sz="2400" dirty="0" smtClean="0">
+              <a:rPr lang="en-US" sz="2400" dirty="0">
                 <a:effectLst/>
                 <a:latin typeface="Arial" panose="020B0604020202020204" pitchFamily="34" charset="0"/>
                 <a:ea typeface="Times New Roman" panose="02020603050405020304" pitchFamily="18" charset="0"/>
@@ -10920,7 +10883,7 @@
               </a:tabLst>
             </a:pPr>
             <a:r>
-              <a:rPr lang="en-US" sz="2400" dirty="0" smtClean="0">
+              <a:rPr lang="en-US" sz="2400" dirty="0">
                 <a:effectLst/>
                 <a:latin typeface="Arial" panose="020B0604020202020204" pitchFamily="34" charset="0"/>
                 <a:ea typeface="Times New Roman" panose="02020603050405020304" pitchFamily="18" charset="0"/>
@@ -10928,7 +10891,7 @@
               </a:rPr>
               <a:t>99% of the organizations say they had a positive impact post-implementing DevOps in their organization in 2020.</a:t>
             </a:r>
-            <a:endParaRPr lang="en-US" sz="2400" dirty="0" smtClean="0">
+            <a:endParaRPr lang="en-US" sz="2400" dirty="0">
               <a:effectLst/>
               <a:latin typeface="Calibri" panose="020F0502020204030204" pitchFamily="34" charset="0"/>
               <a:ea typeface="Calibri" panose="020F0502020204030204" pitchFamily="34" charset="0"/>
@@ -10954,7 +10917,7 @@
               </a:tabLst>
             </a:pPr>
             <a:r>
-              <a:rPr lang="en-US" sz="2400" dirty="0" smtClean="0">
+              <a:rPr lang="en-US" sz="2400" dirty="0">
                 <a:effectLst/>
                 <a:latin typeface="Arial" panose="020B0604020202020204" pitchFamily="34" charset="0"/>
                 <a:ea typeface="Times New Roman" panose="02020603050405020304" pitchFamily="18" charset="0"/>
@@ -10962,7 +10925,7 @@
               </a:rPr>
               <a:t>61% of the businesses quoted that DevOps helped them in the best possible ways to produce higher-quality deliverables in 2020.</a:t>
             </a:r>
-            <a:endParaRPr lang="en-US" sz="2400" dirty="0" smtClean="0">
+            <a:endParaRPr lang="en-US" sz="2400" dirty="0">
               <a:effectLst/>
               <a:latin typeface="Calibri" panose="020F0502020204030204" pitchFamily="34" charset="0"/>
               <a:ea typeface="Calibri" panose="020F0502020204030204" pitchFamily="34" charset="0"/>
@@ -10988,7 +10951,7 @@
               </a:tabLst>
             </a:pPr>
             <a:r>
-              <a:rPr lang="en-US" sz="2400" dirty="0" smtClean="0">
+              <a:rPr lang="en-US" sz="2400" dirty="0">
                 <a:effectLst/>
                 <a:latin typeface="Arial" panose="020B0604020202020204" pitchFamily="34" charset="0"/>
                 <a:ea typeface="Times New Roman" panose="02020603050405020304" pitchFamily="18" charset="0"/>
@@ -10996,7 +10959,7 @@
               </a:rPr>
               <a:t>Almost 49% of the organizations reported a reduction in time-to-market software and service in 2020.</a:t>
             </a:r>
-            <a:endParaRPr lang="en-US" sz="2400" dirty="0" smtClean="0">
+            <a:endParaRPr lang="en-US" sz="2400" dirty="0">
               <a:effectLst/>
               <a:latin typeface="Calibri" panose="020F0502020204030204" pitchFamily="34" charset="0"/>
               <a:ea typeface="Calibri" panose="020F0502020204030204" pitchFamily="34" charset="0"/>
@@ -11022,7 +10985,7 @@
               </a:tabLst>
             </a:pPr>
             <a:r>
-              <a:rPr lang="en-US" sz="2400" dirty="0" smtClean="0">
+              <a:rPr lang="en-US" sz="2400" dirty="0">
                 <a:effectLst/>
                 <a:latin typeface="Arial" panose="020B0604020202020204" pitchFamily="34" charset="0"/>
                 <a:ea typeface="Times New Roman" panose="02020603050405020304" pitchFamily="18" charset="0"/>
@@ -11031,7 +10994,7 @@
               <a:t>According to reports by Statista, the adoption of DevOps rose from </a:t>
             </a:r>
             <a:r>
-              <a:rPr lang="en-US" sz="2400" u="sng" dirty="0" smtClean="0">
+              <a:rPr lang="en-US" sz="2400" u="sng" dirty="0">
                 <a:solidFill>
                   <a:srgbClr val="025FA2"/>
                 </a:solidFill>
@@ -11044,7 +11007,7 @@
               <a:t>33% of the companies in 2017</a:t>
             </a:r>
             <a:r>
-              <a:rPr lang="en-US" sz="2400" dirty="0" smtClean="0">
+              <a:rPr lang="en-US" sz="2400" dirty="0">
                 <a:effectLst/>
                 <a:latin typeface="Arial" panose="020B0604020202020204" pitchFamily="34" charset="0"/>
                 <a:ea typeface="Times New Roman" panose="02020603050405020304" pitchFamily="18" charset="0"/>
@@ -11145,7 +11108,7 @@
               </a:lnSpc>
             </a:pPr>
             <a:r>
-              <a:rPr lang="en-US" sz="2400" dirty="0" smtClean="0">
+              <a:rPr lang="en-US" sz="2400" dirty="0">
                 <a:effectLst/>
                 <a:latin typeface="Arial" panose="020B0604020202020204" pitchFamily="34" charset="0"/>
                 <a:ea typeface="Times New Roman" panose="02020603050405020304" pitchFamily="18" charset="0"/>
@@ -11153,7 +11116,7 @@
               </a:rPr>
               <a:t>The stats are exciting to note, right? The statistics depict that DevOps has been able to change the way businesses work and derive results.</a:t>
             </a:r>
-            <a:endParaRPr lang="en-US" sz="2400" dirty="0" smtClean="0">
+            <a:endParaRPr lang="en-US" sz="2400" dirty="0">
               <a:effectLst/>
               <a:latin typeface="Calibri" panose="020F0502020204030204" pitchFamily="34" charset="0"/>
               <a:ea typeface="Calibri" panose="020F0502020204030204" pitchFamily="34" charset="0"/>
@@ -11170,7 +11133,7 @@
               </a:spcAft>
             </a:pPr>
             <a:r>
-              <a:rPr lang="en-US" sz="2400" dirty="0" smtClean="0">
+              <a:rPr lang="en-US" sz="2400" dirty="0">
                 <a:solidFill>
                   <a:srgbClr val="000000"/>
                 </a:solidFill>
@@ -11181,7 +11144,7 @@
               </a:rPr>
               <a:t>DevOps Growth Statistics</a:t>
             </a:r>
-            <a:endParaRPr lang="en-US" sz="2400" dirty="0" smtClean="0">
+            <a:endParaRPr lang="en-US" sz="2400" dirty="0">
               <a:effectLst/>
               <a:latin typeface="Calibri" panose="020F0502020204030204" pitchFamily="34" charset="0"/>
               <a:ea typeface="Calibri" panose="020F0502020204030204" pitchFamily="34" charset="0"/>
@@ -11195,7 +11158,7 @@
               </a:lnSpc>
             </a:pPr>
             <a:r>
-              <a:rPr lang="en-US" sz="2400" dirty="0" smtClean="0">
+              <a:rPr lang="en-US" sz="2400" dirty="0">
                 <a:effectLst/>
                 <a:latin typeface="Arial" panose="020B0604020202020204" pitchFamily="34" charset="0"/>
                 <a:ea typeface="Times New Roman" panose="02020603050405020304" pitchFamily="18" charset="0"/>
@@ -11204,7 +11167,7 @@
               <a:t>The global DevOps market size was estimated at USD 4,311.95 million in 2020, expected to reach USD 5,114.57 million in 2021. According to research conducted by </a:t>
             </a:r>
             <a:r>
-              <a:rPr lang="en-US" sz="2400" b="1" u="sng" dirty="0" smtClean="0">
+              <a:rPr lang="en-US" sz="2400" b="1" u="sng" dirty="0">
                 <a:solidFill>
                   <a:srgbClr val="025FA2"/>
                 </a:solidFill>
@@ -11217,7 +11180,7 @@
               <a:t>Global Newswire</a:t>
             </a:r>
             <a:r>
-              <a:rPr lang="en-US" sz="2400" dirty="0" smtClean="0">
+              <a:rPr lang="en-US" sz="2400" dirty="0">
                 <a:effectLst/>
                 <a:latin typeface="Arial" panose="020B0604020202020204" pitchFamily="34" charset="0"/>
                 <a:ea typeface="Times New Roman" panose="02020603050405020304" pitchFamily="18" charset="0"/>
@@ -11330,7 +11293,7 @@
               </a:tabLst>
             </a:pPr>
             <a:r>
-              <a:rPr lang="en-US" sz="2400" dirty="0" smtClean="0">
+              <a:rPr lang="en-US" sz="2400" dirty="0">
                 <a:effectLst/>
                 <a:latin typeface="Arial" panose="020B0604020202020204" pitchFamily="34" charset="0"/>
                 <a:ea typeface="Times New Roman" panose="02020603050405020304" pitchFamily="18" charset="0"/>
@@ -11338,7 +11301,7 @@
               </a:rPr>
               <a:t>86% of the businesses say that their company must develop and begin production of new software quickly, so they see value in DevOps, according to data collected by Google. Not to overlook that businesses that can quickly deliver digital products to consumers have an edge over competitors.</a:t>
             </a:r>
-            <a:endParaRPr lang="en-US" sz="2400" dirty="0" smtClean="0">
+            <a:endParaRPr lang="en-US" sz="2400" dirty="0">
               <a:effectLst/>
               <a:latin typeface="Calibri" panose="020F0502020204030204" pitchFamily="34" charset="0"/>
               <a:ea typeface="Calibri" panose="020F0502020204030204" pitchFamily="34" charset="0"/>
@@ -11364,7 +11327,7 @@
               </a:tabLst>
             </a:pPr>
             <a:r>
-              <a:rPr lang="en-US" sz="2400" dirty="0" smtClean="0">
+              <a:rPr lang="en-US" sz="2400" dirty="0">
                 <a:effectLst/>
                 <a:latin typeface="Arial" panose="020B0604020202020204" pitchFamily="34" charset="0"/>
                 <a:ea typeface="Times New Roman" panose="02020603050405020304" pitchFamily="18" charset="0"/>
@@ -11476,18 +11439,7 @@
                 <a:ea typeface="Times New Roman" panose="02020603050405020304" pitchFamily="18" charset="0"/>
                 <a:cs typeface="Times New Roman" panose="02020603050405020304" pitchFamily="18" charset="0"/>
               </a:rPr>
-              <a:t>DevOps Containerization </a:t>
-            </a:r>
-            <a:r>
-              <a:rPr lang="en-US" sz="2000" dirty="0" smtClean="0">
-                <a:solidFill>
-                  <a:srgbClr val="000000"/>
-                </a:solidFill>
-                <a:latin typeface="Arial" panose="020B0604020202020204" pitchFamily="34" charset="0"/>
-                <a:ea typeface="Times New Roman" panose="02020603050405020304" pitchFamily="18" charset="0"/>
-                <a:cs typeface="Times New Roman" panose="02020603050405020304" pitchFamily="18" charset="0"/>
-              </a:rPr>
-              <a:t>Statistics</a:t>
+              <a:t>DevOps Containerization Statistics</a:t>
             </a:r>
           </a:p>
           <a:p>
@@ -11503,7 +11455,6 @@
               <a:rPr lang="en-US" sz="2000" dirty="0"/>
               <a:t>Agility and quick releases have been the utmost foundations that gave birth to the idea of containers, which has become mainstream in the IT world today. </a:t>
             </a:r>
-            <a:endParaRPr lang="en-US" sz="2000" dirty="0" smtClean="0"/>
           </a:p>
           <a:p>
             <a:pPr algn="just">
@@ -11515,12 +11466,8 @@
               </a:spcAft>
             </a:pPr>
             <a:r>
-              <a:rPr lang="en-US" sz="2000" dirty="0" smtClean="0"/>
-              <a:t>Now </a:t>
-            </a:r>
-            <a:r>
               <a:rPr lang="en-US" sz="2000" dirty="0"/>
-              <a:t>let us walk you through a few </a:t>
+              <a:t>Now let us walk you through a few </a:t>
             </a:r>
             <a:r>
               <a:rPr lang="en-US" sz="2000" b="1" u="sng" dirty="0">
@@ -11530,11 +11477,7 @@
             </a:r>
             <a:r>
               <a:rPr lang="en-US" sz="2000" dirty="0"/>
-              <a:t> statistics that will ultimately surprise you</a:t>
-            </a:r>
-            <a:r>
-              <a:rPr lang="en-US" sz="2000" dirty="0" smtClean="0"/>
-              <a:t>.</a:t>
+              <a:t> statistics that will ultimately surprise you.</a:t>
             </a:r>
           </a:p>
           <a:p>
@@ -11568,13 +11511,8 @@
             <a:pPr algn="just"/>
             <a:r>
               <a:rPr lang="en-US" sz="2000" dirty="0"/>
-              <a:t>The application container market size was valued at 2.76 billion in 2021 and is projected to reach USD 33.86 billion by 2030, growing at a CAGR of 32.12% from 2023 to </a:t>
-            </a:r>
-            <a:r>
-              <a:rPr lang="en-US" sz="2000" dirty="0" smtClean="0"/>
-              <a:t>2030.</a:t>
-            </a:r>
-            <a:endParaRPr lang="en-US" sz="2000" dirty="0"/>
+              <a:t>The application container market size was valued at 2.76 billion in 2021 and is projected to reach USD 33.86 billion by 2030, growing at a CAGR of 32.12% from 2023 to 2030.</a:t>
+            </a:r>
           </a:p>
           <a:p>
             <a:pPr algn="just">
